--- a/Talk.pptx
+++ b/Talk.pptx
@@ -5,7 +5,7 @@
     <p:sldMasterId id="2147483648" r:id="rId1"/>
   </p:sldMasterIdLst>
   <p:notesMasterIdLst>
-    <p:notesMasterId r:id="rId8"/>
+    <p:notesMasterId r:id="rId10"/>
   </p:notesMasterIdLst>
   <p:sldIdLst>
     <p:sldId id="256" r:id="rId2"/>
@@ -14,6 +14,8 @@
     <p:sldId id="259" r:id="rId5"/>
     <p:sldId id="260" r:id="rId6"/>
     <p:sldId id="261" r:id="rId7"/>
+    <p:sldId id="263" r:id="rId8"/>
+    <p:sldId id="262" r:id="rId9"/>
   </p:sldIdLst>
   <p:sldSz cx="9144000" cy="6858000" type="screen4x3"/>
   <p:notesSz cx="6858000" cy="9144000"/>
@@ -530,6 +532,87 @@
             <a:fld id="{1530219D-83E7-4ACD-AAAF-9A8A292AEF33}" type="slidenum">
               <a:rPr lang="en-US" smtClean="0"/>
               <a:t>4</a:t>
+            </a:fld>
+            <a:endParaRPr lang="en-US"/>
+          </a:p>
+        </p:txBody>
+      </p:sp>
+    </p:spTree>
+  </p:cSld>
+  <p:clrMapOvr>
+    <a:masterClrMapping/>
+  </p:clrMapOvr>
+</p:notes>
+</file>
+
+<file path=ppt/notesSlides/notesSlide2.xml><?xml version="1.0" encoding="utf-8"?>
+<p:notes xmlns:a="http://schemas.openxmlformats.org/drawingml/2006/main" xmlns:r="http://schemas.openxmlformats.org/officeDocument/2006/relationships" xmlns:p="http://schemas.openxmlformats.org/presentationml/2006/main">
+  <p:cSld>
+    <p:spTree>
+      <p:nvGrpSpPr>
+        <p:cNvPr id="1" name=""/>
+        <p:cNvGrpSpPr/>
+        <p:nvPr/>
+      </p:nvGrpSpPr>
+      <p:grpSpPr>
+        <a:xfrm>
+          <a:off x="0" y="0"/>
+          <a:ext cx="0" cy="0"/>
+          <a:chOff x="0" y="0"/>
+          <a:chExt cx="0" cy="0"/>
+        </a:xfrm>
+      </p:grpSpPr>
+      <p:sp>
+        <p:nvSpPr>
+          <p:cNvPr id="2" name="Slide Image Placeholder 1"/>
+          <p:cNvSpPr>
+            <a:spLocks noGrp="1" noRot="1" noChangeAspect="1"/>
+          </p:cNvSpPr>
+          <p:nvPr>
+            <p:ph type="sldImg"/>
+          </p:nvPr>
+        </p:nvSpPr>
+        <p:spPr/>
+      </p:sp>
+      <p:sp>
+        <p:nvSpPr>
+          <p:cNvPr id="3" name="Notes Placeholder 2"/>
+          <p:cNvSpPr>
+            <a:spLocks noGrp="1"/>
+          </p:cNvSpPr>
+          <p:nvPr>
+            <p:ph type="body" idx="1"/>
+          </p:nvPr>
+        </p:nvSpPr>
+        <p:spPr/>
+        <p:txBody>
+          <a:bodyPr>
+            <a:normAutofit/>
+          </a:bodyPr>
+          <a:lstStyle/>
+          <a:p>
+            <a:endParaRPr lang="en-US" dirty="0"/>
+          </a:p>
+        </p:txBody>
+      </p:sp>
+      <p:sp>
+        <p:nvSpPr>
+          <p:cNvPr id="4" name="Slide Number Placeholder 3"/>
+          <p:cNvSpPr>
+            <a:spLocks noGrp="1"/>
+          </p:cNvSpPr>
+          <p:nvPr>
+            <p:ph type="sldNum" sz="quarter" idx="10"/>
+          </p:nvPr>
+        </p:nvSpPr>
+        <p:spPr/>
+        <p:txBody>
+          <a:bodyPr/>
+          <a:lstStyle/>
+          <a:p>
+            <a:fld id="{1530219D-83E7-4ACD-AAAF-9A8A292AEF33}" type="slidenum">
+              <a:rPr lang="en-US" smtClean="0"/>
+              <a:t>8</a:t>
             </a:fld>
             <a:endParaRPr lang="en-US"/>
           </a:p>
@@ -4960,6 +5043,272 @@
   <p:clrMapOvr>
     <a:masterClrMapping/>
   </p:clrMapOvr>
+  <p:timing>
+    <p:tnLst>
+      <p:par>
+        <p:cTn id="1" dur="indefinite" restart="never" nodeType="tmRoot"/>
+      </p:par>
+    </p:tnLst>
+  </p:timing>
+</p:sld>
+</file>
+
+<file path=ppt/slides/slide7.xml><?xml version="1.0" encoding="utf-8"?>
+<p:sld xmlns:a="http://schemas.openxmlformats.org/drawingml/2006/main" xmlns:r="http://schemas.openxmlformats.org/officeDocument/2006/relationships" xmlns:p="http://schemas.openxmlformats.org/presentationml/2006/main">
+  <p:cSld>
+    <p:spTree>
+      <p:nvGrpSpPr>
+        <p:cNvPr id="1" name=""/>
+        <p:cNvGrpSpPr/>
+        <p:nvPr/>
+      </p:nvGrpSpPr>
+      <p:grpSpPr>
+        <a:xfrm>
+          <a:off x="0" y="0"/>
+          <a:ext cx="0" cy="0"/>
+          <a:chOff x="0" y="0"/>
+          <a:chExt cx="0" cy="0"/>
+        </a:xfrm>
+      </p:grpSpPr>
+      <p:pic>
+        <p:nvPicPr>
+          <p:cNvPr id="23554" name="Picture 2" descr="http://farm3.static.flickr.com/2214/2152728625_f83eba5681_b.jpg"/>
+          <p:cNvPicPr>
+            <a:picLocks noChangeAspect="1" noChangeArrowheads="1"/>
+          </p:cNvPicPr>
+          <p:nvPr/>
+        </p:nvPicPr>
+        <p:blipFill>
+          <a:blip r:embed="rId2" cstate="print"/>
+          <a:srcRect/>
+          <a:stretch>
+            <a:fillRect/>
+          </a:stretch>
+        </p:blipFill>
+        <p:spPr bwMode="auto">
+          <a:xfrm>
+            <a:off x="0" y="0"/>
+            <a:ext cx="10287000" cy="6861350"/>
+          </a:xfrm>
+          <a:prstGeom prst="rect">
+            <a:avLst/>
+          </a:prstGeom>
+          <a:noFill/>
+        </p:spPr>
+      </p:pic>
+      <p:sp>
+        <p:nvSpPr>
+          <p:cNvPr id="3" name="TextBox 2"/>
+          <p:cNvSpPr txBox="1"/>
+          <p:nvPr/>
+        </p:nvSpPr>
+        <p:spPr>
+          <a:xfrm>
+            <a:off x="4800600" y="3352800"/>
+            <a:ext cx="4191000" cy="954107"/>
+          </a:xfrm>
+          <a:prstGeom prst="rect">
+            <a:avLst/>
+          </a:prstGeom>
+          <a:solidFill>
+            <a:srgbClr val="000000">
+              <a:alpha val="38039"/>
+            </a:srgbClr>
+          </a:solidFill>
+        </p:spPr>
+        <p:style>
+          <a:lnRef idx="3">
+            <a:schemeClr val="lt1"/>
+          </a:lnRef>
+          <a:fillRef idx="1">
+            <a:schemeClr val="dk1"/>
+          </a:fillRef>
+          <a:effectRef idx="1">
+            <a:schemeClr val="dk1"/>
+          </a:effectRef>
+          <a:fontRef idx="minor">
+            <a:schemeClr val="lt1"/>
+          </a:fontRef>
+        </p:style>
+        <p:txBody>
+          <a:bodyPr wrap="square" rtlCol="0">
+            <a:spAutoFit/>
+          </a:bodyPr>
+          <a:lstStyle/>
+          <a:p>
+            <a:pPr algn="ctr"/>
+            <a:r>
+              <a:rPr lang="en-US" sz="2800" dirty="0" smtClean="0"/>
+              <a:t>Just some directions</a:t>
+            </a:r>
+            <a:r>
+              <a:rPr lang="en-US" sz="2800" dirty="0"/>
+              <a:t> </a:t>
+            </a:r>
+            <a:r>
+              <a:rPr lang="en-US" sz="2800" dirty="0" smtClean="0"/>
+              <a:t>for how to get started</a:t>
+            </a:r>
+          </a:p>
+        </p:txBody>
+      </p:sp>
+    </p:spTree>
+  </p:cSld>
+  <p:clrMapOvr>
+    <a:masterClrMapping/>
+  </p:clrMapOvr>
+  <p:timing>
+    <p:tnLst>
+      <p:par>
+        <p:cTn id="1" dur="indefinite" restart="never" nodeType="tmRoot"/>
+      </p:par>
+    </p:tnLst>
+  </p:timing>
+</p:sld>
+</file>
+
+<file path=ppt/slides/slide8.xml><?xml version="1.0" encoding="utf-8"?>
+<p:sld xmlns:a="http://schemas.openxmlformats.org/drawingml/2006/main" xmlns:r="http://schemas.openxmlformats.org/officeDocument/2006/relationships" xmlns:p="http://schemas.openxmlformats.org/presentationml/2006/main">
+  <p:cSld>
+    <p:spTree>
+      <p:nvGrpSpPr>
+        <p:cNvPr id="1" name=""/>
+        <p:cNvGrpSpPr/>
+        <p:nvPr/>
+      </p:nvGrpSpPr>
+      <p:grpSpPr>
+        <a:xfrm>
+          <a:off x="0" y="0"/>
+          <a:ext cx="0" cy="0"/>
+          <a:chOff x="0" y="0"/>
+          <a:chExt cx="0" cy="0"/>
+        </a:xfrm>
+      </p:grpSpPr>
+      <p:pic>
+        <p:nvPicPr>
+          <p:cNvPr id="22531" name="Picture 3"/>
+          <p:cNvPicPr>
+            <a:picLocks noChangeAspect="1" noChangeArrowheads="1"/>
+          </p:cNvPicPr>
+          <p:nvPr/>
+        </p:nvPicPr>
+        <p:blipFill>
+          <a:blip r:embed="rId3" cstate="print"/>
+          <a:srcRect/>
+          <a:stretch>
+            <a:fillRect/>
+          </a:stretch>
+        </p:blipFill>
+        <p:spPr bwMode="auto">
+          <a:xfrm>
+            <a:off x="1639437" y="990600"/>
+            <a:ext cx="6447830" cy="4614862"/>
+          </a:xfrm>
+          <a:prstGeom prst="rect">
+            <a:avLst/>
+          </a:prstGeom>
+          <a:solidFill>
+            <a:srgbClr val="FFFFFF">
+              <a:shade val="85000"/>
+            </a:srgbClr>
+          </a:solidFill>
+          <a:ln w="190500" cap="rnd">
+            <a:solidFill>
+              <a:srgbClr val="FFFFFF"/>
+            </a:solidFill>
+          </a:ln>
+          <a:effectLst>
+            <a:outerShdw blurRad="36195" dist="12700" dir="11400000" algn="tl" rotWithShape="0">
+              <a:srgbClr val="000000">
+                <a:alpha val="33000"/>
+              </a:srgbClr>
+            </a:outerShdw>
+          </a:effectLst>
+          <a:scene3d>
+            <a:camera prst="perspectiveRight"/>
+            <a:lightRig rig="soft" dir="t"/>
+          </a:scene3d>
+          <a:sp3d contourW="12700" prstMaterial="matte">
+            <a:bevelT w="63500" h="50800"/>
+            <a:contourClr>
+              <a:srgbClr val="C0C0C0"/>
+            </a:contourClr>
+          </a:sp3d>
+        </p:spPr>
+      </p:pic>
+      <p:sp>
+        <p:nvSpPr>
+          <p:cNvPr id="5" name="TextBox 4"/>
+          <p:cNvSpPr txBox="1"/>
+          <p:nvPr/>
+        </p:nvSpPr>
+        <p:spPr>
+          <a:xfrm>
+            <a:off x="1774782" y="152400"/>
+            <a:ext cx="6177140" cy="523220"/>
+          </a:xfrm>
+          <a:prstGeom prst="rect">
+            <a:avLst/>
+          </a:prstGeom>
+          <a:noFill/>
+        </p:spPr>
+        <p:txBody>
+          <a:bodyPr wrap="none" rtlCol="0">
+            <a:spAutoFit/>
+          </a:bodyPr>
+          <a:lstStyle/>
+          <a:p>
+            <a:r>
+              <a:rPr lang="en-US" sz="2800" dirty="0" smtClean="0"/>
+              <a:t>Microsoft’s P&amp;P Guidance: Project Silk</a:t>
+            </a:r>
+            <a:endParaRPr lang="en-US" sz="2800" dirty="0"/>
+          </a:p>
+        </p:txBody>
+      </p:sp>
+      <p:sp>
+        <p:nvSpPr>
+          <p:cNvPr id="6" name="Rectangle 5"/>
+          <p:cNvSpPr/>
+          <p:nvPr/>
+        </p:nvSpPr>
+        <p:spPr>
+          <a:xfrm>
+            <a:off x="2514600" y="6096000"/>
+            <a:ext cx="4697504" cy="584775"/>
+          </a:xfrm>
+          <a:prstGeom prst="rect">
+            <a:avLst/>
+          </a:prstGeom>
+        </p:spPr>
+        <p:txBody>
+          <a:bodyPr wrap="none">
+            <a:spAutoFit/>
+          </a:bodyPr>
+          <a:lstStyle/>
+          <a:p>
+            <a:r>
+              <a:rPr lang="en-US" sz="3200" dirty="0" smtClean="0">
+                <a:hlinkClick r:id="rId4"/>
+              </a:rPr>
+              <a:t>http://silk.codeplex.com/</a:t>
+            </a:r>
+            <a:endParaRPr lang="en-US" sz="3200" dirty="0"/>
+          </a:p>
+        </p:txBody>
+      </p:sp>
+    </p:spTree>
+  </p:cSld>
+  <p:clrMapOvr>
+    <a:masterClrMapping/>
+  </p:clrMapOvr>
+  <p:timing>
+    <p:tnLst>
+      <p:par>
+        <p:cTn id="1" dur="indefinite" restart="never" nodeType="tmRoot"/>
+      </p:par>
+    </p:tnLst>
+  </p:timing>
 </p:sld>
 </file>
 

--- a/Talk.pptx
+++ b/Talk.pptx
@@ -5,7 +5,7 @@
     <p:sldMasterId id="2147483648" r:id="rId1"/>
   </p:sldMasterIdLst>
   <p:notesMasterIdLst>
-    <p:notesMasterId r:id="rId10"/>
+    <p:notesMasterId r:id="rId11"/>
   </p:notesMasterIdLst>
   <p:sldIdLst>
     <p:sldId id="256" r:id="rId2"/>
@@ -15,7 +15,8 @@
     <p:sldId id="260" r:id="rId6"/>
     <p:sldId id="261" r:id="rId7"/>
     <p:sldId id="263" r:id="rId8"/>
-    <p:sldId id="262" r:id="rId9"/>
+    <p:sldId id="265" r:id="rId9"/>
+    <p:sldId id="262" r:id="rId10"/>
   </p:sldIdLst>
   <p:sldSz cx="9144000" cy="6858000" type="screen4x3"/>
   <p:notesSz cx="6858000" cy="9144000"/>
@@ -612,7 +613,7 @@
           <a:p>
             <a:fld id="{1530219D-83E7-4ACD-AAAF-9A8A292AEF33}" type="slidenum">
               <a:rPr lang="en-US" smtClean="0"/>
-              <a:t>8</a:t>
+              <a:t>9</a:t>
             </a:fld>
             <a:endParaRPr lang="en-US"/>
           </a:p>
@@ -5168,6 +5169,80 @@
 </file>
 
 <file path=ppt/slides/slide8.xml><?xml version="1.0" encoding="utf-8"?>
+<p:sld xmlns:a="http://schemas.openxmlformats.org/drawingml/2006/main" xmlns:r="http://schemas.openxmlformats.org/officeDocument/2006/relationships" xmlns:p="http://schemas.openxmlformats.org/presentationml/2006/main">
+  <p:cSld>
+    <p:spTree>
+      <p:nvGrpSpPr>
+        <p:cNvPr id="1" name=""/>
+        <p:cNvGrpSpPr/>
+        <p:nvPr/>
+      </p:nvGrpSpPr>
+      <p:grpSpPr>
+        <a:xfrm>
+          <a:off x="0" y="0"/>
+          <a:ext cx="0" cy="0"/>
+          <a:chOff x="0" y="0"/>
+          <a:chExt cx="0" cy="0"/>
+        </a:xfrm>
+      </p:grpSpPr>
+      <p:pic>
+        <p:nvPicPr>
+          <p:cNvPr id="27650" name="Picture 2"/>
+          <p:cNvPicPr>
+            <a:picLocks noChangeAspect="1" noChangeArrowheads="1"/>
+          </p:cNvPicPr>
+          <p:nvPr/>
+        </p:nvPicPr>
+        <p:blipFill>
+          <a:blip r:embed="rId2" cstate="print"/>
+          <a:srcRect/>
+          <a:stretch>
+            <a:fillRect/>
+          </a:stretch>
+        </p:blipFill>
+        <p:spPr bwMode="auto">
+          <a:xfrm>
+            <a:off x="845084" y="1828800"/>
+            <a:ext cx="8298916" cy="3505200"/>
+          </a:xfrm>
+          <a:prstGeom prst="rect">
+            <a:avLst/>
+          </a:prstGeom>
+          <a:ln>
+            <a:noFill/>
+          </a:ln>
+          <a:effectLst>
+            <a:reflection blurRad="12700" stA="30000" endPos="30000" dist="5000" dir="5400000" sy="-100000" algn="bl" rotWithShape="0"/>
+          </a:effectLst>
+          <a:scene3d>
+            <a:camera prst="perspectiveRight">
+              <a:rot lat="0" lon="20699996" rev="0"/>
+            </a:camera>
+            <a:lightRig rig="threePt" dir="t">
+              <a:rot lat="0" lon="0" rev="2700000"/>
+            </a:lightRig>
+          </a:scene3d>
+          <a:sp3d>
+            <a:bevelT w="63500" h="50800"/>
+          </a:sp3d>
+        </p:spPr>
+      </p:pic>
+    </p:spTree>
+  </p:cSld>
+  <p:clrMapOvr>
+    <a:masterClrMapping/>
+  </p:clrMapOvr>
+  <p:timing>
+    <p:tnLst>
+      <p:par>
+        <p:cTn id="1" dur="indefinite" restart="never" nodeType="tmRoot"/>
+      </p:par>
+    </p:tnLst>
+  </p:timing>
+</p:sld>
+</file>
+
+<file path=ppt/slides/slide9.xml><?xml version="1.0" encoding="utf-8"?>
 <p:sld xmlns:a="http://schemas.openxmlformats.org/drawingml/2006/main" xmlns:r="http://schemas.openxmlformats.org/officeDocument/2006/relationships" xmlns:p="http://schemas.openxmlformats.org/presentationml/2006/main">
   <p:cSld>
     <p:spTree>
